--- a/網站開發與安全/20210317.pptx
+++ b/網站開發與安全/20210317.pptx
@@ -44,16 +44,6 @@
     <p:sldId id="293" r:id="rId38"/>
     <p:sldId id="294" r:id="rId39"/>
     <p:sldId id="295" r:id="rId40"/>
-    <p:sldId id="259" r:id="rId41"/>
-    <p:sldId id="296" r:id="rId42"/>
-    <p:sldId id="297" r:id="rId43"/>
-    <p:sldId id="298" r:id="rId44"/>
-    <p:sldId id="299" r:id="rId45"/>
-    <p:sldId id="300" r:id="rId46"/>
-    <p:sldId id="301" r:id="rId47"/>
-    <p:sldId id="302" r:id="rId48"/>
-    <p:sldId id="303" r:id="rId49"/>
-    <p:sldId id="304" r:id="rId50"/>
   </p:sldIdLst>
   <p:sldSz cx="9144000" cy="6858000" type="screen4x3"/>
   <p:notesSz cx="6858000" cy="9144000"/>
@@ -336,7 +326,7 @@
           <a:p>
             <a:fld id="{6ABB0129-CAF1-4DD2-919A-E3ED95180950}" type="datetimeFigureOut">
               <a:rPr lang="zh-TW" altLang="en-US" smtClean="0"/>
-              <a:t>2021/3/17</a:t>
+              <a:t>2021/3/24</a:t>
             </a:fld>
             <a:endParaRPr lang="zh-TW" altLang="en-US"/>
           </a:p>
@@ -506,7 +496,7 @@
           <a:p>
             <a:fld id="{6ABB0129-CAF1-4DD2-919A-E3ED95180950}" type="datetimeFigureOut">
               <a:rPr lang="zh-TW" altLang="en-US" smtClean="0"/>
-              <a:t>2021/3/17</a:t>
+              <a:t>2021/3/24</a:t>
             </a:fld>
             <a:endParaRPr lang="zh-TW" altLang="en-US"/>
           </a:p>
@@ -686,7 +676,7 @@
           <a:p>
             <a:fld id="{6ABB0129-CAF1-4DD2-919A-E3ED95180950}" type="datetimeFigureOut">
               <a:rPr lang="zh-TW" altLang="en-US" smtClean="0"/>
-              <a:t>2021/3/17</a:t>
+              <a:t>2021/3/24</a:t>
             </a:fld>
             <a:endParaRPr lang="zh-TW" altLang="en-US"/>
           </a:p>
@@ -856,7 +846,7 @@
           <a:p>
             <a:fld id="{6ABB0129-CAF1-4DD2-919A-E3ED95180950}" type="datetimeFigureOut">
               <a:rPr lang="zh-TW" altLang="en-US" smtClean="0"/>
-              <a:t>2021/3/17</a:t>
+              <a:t>2021/3/24</a:t>
             </a:fld>
             <a:endParaRPr lang="zh-TW" altLang="en-US"/>
           </a:p>
@@ -1102,7 +1092,7 @@
           <a:p>
             <a:fld id="{6ABB0129-CAF1-4DD2-919A-E3ED95180950}" type="datetimeFigureOut">
               <a:rPr lang="zh-TW" altLang="en-US" smtClean="0"/>
-              <a:t>2021/3/17</a:t>
+              <a:t>2021/3/24</a:t>
             </a:fld>
             <a:endParaRPr lang="zh-TW" altLang="en-US"/>
           </a:p>
@@ -1390,7 +1380,7 @@
           <a:p>
             <a:fld id="{6ABB0129-CAF1-4DD2-919A-E3ED95180950}" type="datetimeFigureOut">
               <a:rPr lang="zh-TW" altLang="en-US" smtClean="0"/>
-              <a:t>2021/3/17</a:t>
+              <a:t>2021/3/24</a:t>
             </a:fld>
             <a:endParaRPr lang="zh-TW" altLang="en-US"/>
           </a:p>
@@ -1812,7 +1802,7 @@
           <a:p>
             <a:fld id="{6ABB0129-CAF1-4DD2-919A-E3ED95180950}" type="datetimeFigureOut">
               <a:rPr lang="zh-TW" altLang="en-US" smtClean="0"/>
-              <a:t>2021/3/17</a:t>
+              <a:t>2021/3/24</a:t>
             </a:fld>
             <a:endParaRPr lang="zh-TW" altLang="en-US"/>
           </a:p>
@@ -1930,7 +1920,7 @@
           <a:p>
             <a:fld id="{6ABB0129-CAF1-4DD2-919A-E3ED95180950}" type="datetimeFigureOut">
               <a:rPr lang="zh-TW" altLang="en-US" smtClean="0"/>
-              <a:t>2021/3/17</a:t>
+              <a:t>2021/3/24</a:t>
             </a:fld>
             <a:endParaRPr lang="zh-TW" altLang="en-US"/>
           </a:p>
@@ -2025,7 +2015,7 @@
           <a:p>
             <a:fld id="{6ABB0129-CAF1-4DD2-919A-E3ED95180950}" type="datetimeFigureOut">
               <a:rPr lang="zh-TW" altLang="en-US" smtClean="0"/>
-              <a:t>2021/3/17</a:t>
+              <a:t>2021/3/24</a:t>
             </a:fld>
             <a:endParaRPr lang="zh-TW" altLang="en-US"/>
           </a:p>
@@ -2302,7 +2292,7 @@
           <a:p>
             <a:fld id="{6ABB0129-CAF1-4DD2-919A-E3ED95180950}" type="datetimeFigureOut">
               <a:rPr lang="zh-TW" altLang="en-US" smtClean="0"/>
-              <a:t>2021/3/17</a:t>
+              <a:t>2021/3/24</a:t>
             </a:fld>
             <a:endParaRPr lang="zh-TW" altLang="en-US"/>
           </a:p>
@@ -2555,7 +2545,7 @@
           <a:p>
             <a:fld id="{6ABB0129-CAF1-4DD2-919A-E3ED95180950}" type="datetimeFigureOut">
               <a:rPr lang="zh-TW" altLang="en-US" smtClean="0"/>
-              <a:t>2021/3/17</a:t>
+              <a:t>2021/3/24</a:t>
             </a:fld>
             <a:endParaRPr lang="zh-TW" altLang="en-US"/>
           </a:p>
@@ -2768,7 +2758,7 @@
           <a:p>
             <a:fld id="{6ABB0129-CAF1-4DD2-919A-E3ED95180950}" type="datetimeFigureOut">
               <a:rPr lang="zh-TW" altLang="en-US" smtClean="0"/>
-              <a:t>2021/3/17</a:t>
+              <a:t>2021/3/24</a:t>
             </a:fld>
             <a:endParaRPr lang="zh-TW" altLang="en-US"/>
           </a:p>
@@ -8302,1403 +8292,6 @@
 </p:sld>
 </file>
 
-<file path=ppt/slides/slide40.xml><?xml version="1.0" encoding="utf-8"?>
-<p:sld xmlns:a="http://schemas.openxmlformats.org/drawingml/2006/main" xmlns:r="http://schemas.openxmlformats.org/officeDocument/2006/relationships" xmlns:p="http://schemas.openxmlformats.org/presentationml/2006/main">
-  <p:cSld>
-    <p:bg>
-      <p:bgPr>
-        <a:solidFill>
-          <a:schemeClr val="accent1">
-            <a:lumMod val="50000"/>
-          </a:schemeClr>
-        </a:solidFill>
-        <a:effectLst/>
-      </p:bgPr>
-    </p:bg>
-    <p:spTree>
-      <p:nvGrpSpPr>
-        <p:cNvPr id="1" name=""/>
-        <p:cNvGrpSpPr/>
-        <p:nvPr/>
-      </p:nvGrpSpPr>
-      <p:grpSpPr>
-        <a:xfrm>
-          <a:off x="0" y="0"/>
-          <a:ext cx="0" cy="0"/>
-          <a:chOff x="0" y="0"/>
-          <a:chExt cx="0" cy="0"/>
-        </a:xfrm>
-      </p:grpSpPr>
-      <p:sp>
-        <p:nvSpPr>
-          <p:cNvPr id="2" name="文字方塊 1"/>
-          <p:cNvSpPr txBox="1"/>
-          <p:nvPr/>
-        </p:nvSpPr>
-        <p:spPr>
-          <a:xfrm>
-            <a:off x="3635896" y="2636912"/>
-            <a:ext cx="2012089" cy="1200329"/>
-          </a:xfrm>
-          <a:prstGeom prst="rect">
-            <a:avLst/>
-          </a:prstGeom>
-          <a:noFill/>
-        </p:spPr>
-        <p:txBody>
-          <a:bodyPr wrap="none" rtlCol="0">
-            <a:spAutoFit/>
-          </a:bodyPr>
-          <a:lstStyle/>
-          <a:p>
-            <a:pPr algn="ctr"/>
-            <a:r>
-              <a:rPr lang="en-US" altLang="zh-TW" sz="3600" dirty="0" smtClean="0">
-                <a:solidFill>
-                  <a:schemeClr val="bg1"/>
-                </a:solidFill>
-              </a:rPr>
-              <a:t>CSS3</a:t>
-            </a:r>
-            <a:r>
-              <a:rPr lang="zh-TW" altLang="en-US" sz="3600" dirty="0" smtClean="0">
-                <a:solidFill>
-                  <a:schemeClr val="bg1"/>
-                </a:solidFill>
-              </a:rPr>
-              <a:t>實戰</a:t>
-            </a:r>
-            <a:endParaRPr lang="en-US" altLang="zh-TW" sz="3600" dirty="0" smtClean="0">
-              <a:solidFill>
-                <a:schemeClr val="bg1"/>
-              </a:solidFill>
-            </a:endParaRPr>
-          </a:p>
-          <a:p>
-            <a:pPr algn="ctr"/>
-            <a:r>
-              <a:rPr lang="en-US" altLang="zh-TW" sz="3600" dirty="0" smtClean="0">
-                <a:solidFill>
-                  <a:schemeClr val="bg1"/>
-                </a:solidFill>
-              </a:rPr>
-              <a:t>ch09</a:t>
-            </a:r>
-            <a:endParaRPr lang="zh-TW" altLang="en-US" sz="3600" dirty="0">
-              <a:solidFill>
-                <a:schemeClr val="bg1"/>
-              </a:solidFill>
-            </a:endParaRPr>
-          </a:p>
-        </p:txBody>
-      </p:sp>
-    </p:spTree>
-    <p:extLst>
-      <p:ext uri="{BB962C8B-B14F-4D97-AF65-F5344CB8AC3E}">
-        <p14:creationId xmlns:p14="http://schemas.microsoft.com/office/powerpoint/2010/main" val="3155615388"/>
-      </p:ext>
-    </p:extLst>
-  </p:cSld>
-  <p:clrMapOvr>
-    <a:masterClrMapping/>
-  </p:clrMapOvr>
-</p:sld>
-</file>
-
-<file path=ppt/slides/slide41.xml><?xml version="1.0" encoding="utf-8"?>
-<p:sld xmlns:a="http://schemas.openxmlformats.org/drawingml/2006/main" xmlns:r="http://schemas.openxmlformats.org/officeDocument/2006/relationships" xmlns:p="http://schemas.openxmlformats.org/presentationml/2006/main">
-  <p:cSld>
-    <p:spTree>
-      <p:nvGrpSpPr>
-        <p:cNvPr id="1" name=""/>
-        <p:cNvGrpSpPr/>
-        <p:nvPr/>
-      </p:nvGrpSpPr>
-      <p:grpSpPr>
-        <a:xfrm>
-          <a:off x="0" y="0"/>
-          <a:ext cx="0" cy="0"/>
-          <a:chOff x="0" y="0"/>
-          <a:chExt cx="0" cy="0"/>
-        </a:xfrm>
-      </p:grpSpPr>
-      <p:pic>
-        <p:nvPicPr>
-          <p:cNvPr id="38914" name="Picture 2"/>
-          <p:cNvPicPr>
-            <a:picLocks noChangeAspect="1" noChangeArrowheads="1"/>
-          </p:cNvPicPr>
-          <p:nvPr/>
-        </p:nvPicPr>
-        <p:blipFill>
-          <a:blip r:embed="rId2">
-            <a:extLst>
-              <a:ext uri="{28A0092B-C50C-407E-A947-70E740481C1C}">
-                <a14:useLocalDpi xmlns:a14="http://schemas.microsoft.com/office/drawing/2010/main" val="0"/>
-              </a:ext>
-            </a:extLst>
-          </a:blip>
-          <a:srcRect/>
-          <a:stretch>
-            <a:fillRect/>
-          </a:stretch>
-        </p:blipFill>
-        <p:spPr bwMode="auto">
-          <a:xfrm>
-            <a:off x="1709738" y="620688"/>
-            <a:ext cx="5724525" cy="2276475"/>
-          </a:xfrm>
-          <a:prstGeom prst="rect">
-            <a:avLst/>
-          </a:prstGeom>
-          <a:noFill/>
-          <a:ln>
-            <a:noFill/>
-          </a:ln>
-          <a:effectLst/>
-          <a:extLst>
-            <a:ext uri="{909E8E84-426E-40DD-AFC4-6F175D3DCCD1}">
-              <a14:hiddenFill xmlns:a14="http://schemas.microsoft.com/office/drawing/2010/main">
-                <a:solidFill>
-                  <a:schemeClr val="accent1"/>
-                </a:solidFill>
-              </a14:hiddenFill>
-            </a:ext>
-            <a:ext uri="{91240B29-F687-4F45-9708-019B960494DF}">
-              <a14:hiddenLine xmlns:a14="http://schemas.microsoft.com/office/drawing/2010/main" w="9525">
-                <a:solidFill>
-                  <a:schemeClr val="tx1"/>
-                </a:solidFill>
-                <a:miter lim="800000"/>
-                <a:headEnd/>
-                <a:tailEnd/>
-              </a14:hiddenLine>
-            </a:ext>
-            <a:ext uri="{AF507438-7753-43E0-B8FC-AC1667EBCBE1}">
-              <a14:hiddenEffects xmlns:a14="http://schemas.microsoft.com/office/drawing/2010/main">
-                <a:effectLst>
-                  <a:outerShdw dist="35921" dir="2700000" algn="ctr" rotWithShape="0">
-                    <a:schemeClr val="bg2"/>
-                  </a:outerShdw>
-                </a:effectLst>
-              </a14:hiddenEffects>
-            </a:ext>
-          </a:extLst>
-        </p:spPr>
-      </p:pic>
-      <p:pic>
-        <p:nvPicPr>
-          <p:cNvPr id="38915" name="Picture 3"/>
-          <p:cNvPicPr>
-            <a:picLocks noChangeAspect="1" noChangeArrowheads="1"/>
-          </p:cNvPicPr>
-          <p:nvPr/>
-        </p:nvPicPr>
-        <p:blipFill>
-          <a:blip r:embed="rId3">
-            <a:extLst>
-              <a:ext uri="{28A0092B-C50C-407E-A947-70E740481C1C}">
-                <a14:useLocalDpi xmlns:a14="http://schemas.microsoft.com/office/drawing/2010/main" val="0"/>
-              </a:ext>
-            </a:extLst>
-          </a:blip>
-          <a:srcRect/>
-          <a:stretch>
-            <a:fillRect/>
-          </a:stretch>
-        </p:blipFill>
-        <p:spPr bwMode="auto">
-          <a:xfrm>
-            <a:off x="1403648" y="3284984"/>
-            <a:ext cx="6467475" cy="2981325"/>
-          </a:xfrm>
-          <a:prstGeom prst="rect">
-            <a:avLst/>
-          </a:prstGeom>
-          <a:noFill/>
-          <a:ln>
-            <a:noFill/>
-          </a:ln>
-          <a:effectLst/>
-          <a:extLst>
-            <a:ext uri="{909E8E84-426E-40DD-AFC4-6F175D3DCCD1}">
-              <a14:hiddenFill xmlns:a14="http://schemas.microsoft.com/office/drawing/2010/main">
-                <a:solidFill>
-                  <a:schemeClr val="accent1"/>
-                </a:solidFill>
-              </a14:hiddenFill>
-            </a:ext>
-            <a:ext uri="{91240B29-F687-4F45-9708-019B960494DF}">
-              <a14:hiddenLine xmlns:a14="http://schemas.microsoft.com/office/drawing/2010/main" w="9525">
-                <a:solidFill>
-                  <a:schemeClr val="tx1"/>
-                </a:solidFill>
-                <a:miter lim="800000"/>
-                <a:headEnd/>
-                <a:tailEnd/>
-              </a14:hiddenLine>
-            </a:ext>
-            <a:ext uri="{AF507438-7753-43E0-B8FC-AC1667EBCBE1}">
-              <a14:hiddenEffects xmlns:a14="http://schemas.microsoft.com/office/drawing/2010/main">
-                <a:effectLst>
-                  <a:outerShdw dist="35921" dir="2700000" algn="ctr" rotWithShape="0">
-                    <a:schemeClr val="bg2"/>
-                  </a:outerShdw>
-                </a:effectLst>
-              </a14:hiddenEffects>
-            </a:ext>
-          </a:extLst>
-        </p:spPr>
-      </p:pic>
-    </p:spTree>
-    <p:extLst>
-      <p:ext uri="{BB962C8B-B14F-4D97-AF65-F5344CB8AC3E}">
-        <p14:creationId xmlns:p14="http://schemas.microsoft.com/office/powerpoint/2010/main" val="4118943218"/>
-      </p:ext>
-    </p:extLst>
-  </p:cSld>
-  <p:clrMapOvr>
-    <a:masterClrMapping/>
-  </p:clrMapOvr>
-</p:sld>
-</file>
-
-<file path=ppt/slides/slide42.xml><?xml version="1.0" encoding="utf-8"?>
-<p:sld xmlns:a="http://schemas.openxmlformats.org/drawingml/2006/main" xmlns:r="http://schemas.openxmlformats.org/officeDocument/2006/relationships" xmlns:p="http://schemas.openxmlformats.org/presentationml/2006/main">
-  <p:cSld>
-    <p:spTree>
-      <p:nvGrpSpPr>
-        <p:cNvPr id="1" name=""/>
-        <p:cNvGrpSpPr/>
-        <p:nvPr/>
-      </p:nvGrpSpPr>
-      <p:grpSpPr>
-        <a:xfrm>
-          <a:off x="0" y="0"/>
-          <a:ext cx="0" cy="0"/>
-          <a:chOff x="0" y="0"/>
-          <a:chExt cx="0" cy="0"/>
-        </a:xfrm>
-      </p:grpSpPr>
-      <p:pic>
-        <p:nvPicPr>
-          <p:cNvPr id="39938" name="Picture 2"/>
-          <p:cNvPicPr>
-            <a:picLocks noChangeAspect="1" noChangeArrowheads="1"/>
-          </p:cNvPicPr>
-          <p:nvPr/>
-        </p:nvPicPr>
-        <p:blipFill>
-          <a:blip r:embed="rId2">
-            <a:extLst>
-              <a:ext uri="{28A0092B-C50C-407E-A947-70E740481C1C}">
-                <a14:useLocalDpi xmlns:a14="http://schemas.microsoft.com/office/drawing/2010/main" val="0"/>
-              </a:ext>
-            </a:extLst>
-          </a:blip>
-          <a:srcRect/>
-          <a:stretch>
-            <a:fillRect/>
-          </a:stretch>
-        </p:blipFill>
-        <p:spPr bwMode="auto">
-          <a:xfrm>
-            <a:off x="241615" y="764704"/>
-            <a:ext cx="8877300" cy="2409825"/>
-          </a:xfrm>
-          <a:prstGeom prst="rect">
-            <a:avLst/>
-          </a:prstGeom>
-          <a:noFill/>
-          <a:ln>
-            <a:noFill/>
-          </a:ln>
-          <a:effectLst/>
-          <a:extLst>
-            <a:ext uri="{909E8E84-426E-40DD-AFC4-6F175D3DCCD1}">
-              <a14:hiddenFill xmlns:a14="http://schemas.microsoft.com/office/drawing/2010/main">
-                <a:solidFill>
-                  <a:schemeClr val="accent1"/>
-                </a:solidFill>
-              </a14:hiddenFill>
-            </a:ext>
-            <a:ext uri="{91240B29-F687-4F45-9708-019B960494DF}">
-              <a14:hiddenLine xmlns:a14="http://schemas.microsoft.com/office/drawing/2010/main" w="9525">
-                <a:solidFill>
-                  <a:schemeClr val="tx1"/>
-                </a:solidFill>
-                <a:miter lim="800000"/>
-                <a:headEnd/>
-                <a:tailEnd/>
-              </a14:hiddenLine>
-            </a:ext>
-            <a:ext uri="{AF507438-7753-43E0-B8FC-AC1667EBCBE1}">
-              <a14:hiddenEffects xmlns:a14="http://schemas.microsoft.com/office/drawing/2010/main">
-                <a:effectLst>
-                  <a:outerShdw dist="35921" dir="2700000" algn="ctr" rotWithShape="0">
-                    <a:schemeClr val="bg2"/>
-                  </a:outerShdw>
-                </a:effectLst>
-              </a14:hiddenEffects>
-            </a:ext>
-          </a:extLst>
-        </p:spPr>
-      </p:pic>
-      <p:pic>
-        <p:nvPicPr>
-          <p:cNvPr id="39939" name="Picture 3"/>
-          <p:cNvPicPr>
-            <a:picLocks noChangeAspect="1" noChangeArrowheads="1"/>
-          </p:cNvPicPr>
-          <p:nvPr/>
-        </p:nvPicPr>
-        <p:blipFill>
-          <a:blip r:embed="rId3">
-            <a:extLst>
-              <a:ext uri="{28A0092B-C50C-407E-A947-70E740481C1C}">
-                <a14:useLocalDpi xmlns:a14="http://schemas.microsoft.com/office/drawing/2010/main" val="0"/>
-              </a:ext>
-            </a:extLst>
-          </a:blip>
-          <a:srcRect/>
-          <a:stretch>
-            <a:fillRect/>
-          </a:stretch>
-        </p:blipFill>
-        <p:spPr bwMode="auto">
-          <a:xfrm>
-            <a:off x="2784790" y="2780928"/>
-            <a:ext cx="3790950" cy="3819525"/>
-          </a:xfrm>
-          <a:prstGeom prst="rect">
-            <a:avLst/>
-          </a:prstGeom>
-          <a:noFill/>
-          <a:ln>
-            <a:noFill/>
-          </a:ln>
-          <a:effectLst/>
-          <a:extLst>
-            <a:ext uri="{909E8E84-426E-40DD-AFC4-6F175D3DCCD1}">
-              <a14:hiddenFill xmlns:a14="http://schemas.microsoft.com/office/drawing/2010/main">
-                <a:solidFill>
-                  <a:schemeClr val="accent1"/>
-                </a:solidFill>
-              </a14:hiddenFill>
-            </a:ext>
-            <a:ext uri="{91240B29-F687-4F45-9708-019B960494DF}">
-              <a14:hiddenLine xmlns:a14="http://schemas.microsoft.com/office/drawing/2010/main" w="9525">
-                <a:solidFill>
-                  <a:schemeClr val="tx1"/>
-                </a:solidFill>
-                <a:miter lim="800000"/>
-                <a:headEnd/>
-                <a:tailEnd/>
-              </a14:hiddenLine>
-            </a:ext>
-            <a:ext uri="{AF507438-7753-43E0-B8FC-AC1667EBCBE1}">
-              <a14:hiddenEffects xmlns:a14="http://schemas.microsoft.com/office/drawing/2010/main">
-                <a:effectLst>
-                  <a:outerShdw dist="35921" dir="2700000" algn="ctr" rotWithShape="0">
-                    <a:schemeClr val="bg2"/>
-                  </a:outerShdw>
-                </a:effectLst>
-              </a14:hiddenEffects>
-            </a:ext>
-          </a:extLst>
-        </p:spPr>
-      </p:pic>
-    </p:spTree>
-    <p:extLst>
-      <p:ext uri="{BB962C8B-B14F-4D97-AF65-F5344CB8AC3E}">
-        <p14:creationId xmlns:p14="http://schemas.microsoft.com/office/powerpoint/2010/main" val="3722817735"/>
-      </p:ext>
-    </p:extLst>
-  </p:cSld>
-  <p:clrMapOvr>
-    <a:masterClrMapping/>
-  </p:clrMapOvr>
-</p:sld>
-</file>
-
-<file path=ppt/slides/slide43.xml><?xml version="1.0" encoding="utf-8"?>
-<p:sld xmlns:a="http://schemas.openxmlformats.org/drawingml/2006/main" xmlns:r="http://schemas.openxmlformats.org/officeDocument/2006/relationships" xmlns:p="http://schemas.openxmlformats.org/presentationml/2006/main">
-  <p:cSld>
-    <p:spTree>
-      <p:nvGrpSpPr>
-        <p:cNvPr id="1" name=""/>
-        <p:cNvGrpSpPr/>
-        <p:nvPr/>
-      </p:nvGrpSpPr>
-      <p:grpSpPr>
-        <a:xfrm>
-          <a:off x="0" y="0"/>
-          <a:ext cx="0" cy="0"/>
-          <a:chOff x="0" y="0"/>
-          <a:chExt cx="0" cy="0"/>
-        </a:xfrm>
-      </p:grpSpPr>
-      <p:pic>
-        <p:nvPicPr>
-          <p:cNvPr id="40962" name="Picture 2"/>
-          <p:cNvPicPr>
-            <a:picLocks noChangeAspect="1" noChangeArrowheads="1"/>
-          </p:cNvPicPr>
-          <p:nvPr/>
-        </p:nvPicPr>
-        <p:blipFill>
-          <a:blip r:embed="rId2">
-            <a:extLst>
-              <a:ext uri="{28A0092B-C50C-407E-A947-70E740481C1C}">
-                <a14:useLocalDpi xmlns:a14="http://schemas.microsoft.com/office/drawing/2010/main" val="0"/>
-              </a:ext>
-            </a:extLst>
-          </a:blip>
-          <a:srcRect/>
-          <a:stretch>
-            <a:fillRect/>
-          </a:stretch>
-        </p:blipFill>
-        <p:spPr bwMode="auto">
-          <a:xfrm>
-            <a:off x="467544" y="188640"/>
-            <a:ext cx="8244408" cy="2500633"/>
-          </a:xfrm>
-          <a:prstGeom prst="rect">
-            <a:avLst/>
-          </a:prstGeom>
-          <a:noFill/>
-          <a:ln>
-            <a:noFill/>
-          </a:ln>
-          <a:effectLst/>
-          <a:extLst>
-            <a:ext uri="{909E8E84-426E-40DD-AFC4-6F175D3DCCD1}">
-              <a14:hiddenFill xmlns:a14="http://schemas.microsoft.com/office/drawing/2010/main">
-                <a:solidFill>
-                  <a:schemeClr val="accent1"/>
-                </a:solidFill>
-              </a14:hiddenFill>
-            </a:ext>
-            <a:ext uri="{91240B29-F687-4F45-9708-019B960494DF}">
-              <a14:hiddenLine xmlns:a14="http://schemas.microsoft.com/office/drawing/2010/main" w="9525">
-                <a:solidFill>
-                  <a:schemeClr val="tx1"/>
-                </a:solidFill>
-                <a:miter lim="800000"/>
-                <a:headEnd/>
-                <a:tailEnd/>
-              </a14:hiddenLine>
-            </a:ext>
-            <a:ext uri="{AF507438-7753-43E0-B8FC-AC1667EBCBE1}">
-              <a14:hiddenEffects xmlns:a14="http://schemas.microsoft.com/office/drawing/2010/main">
-                <a:effectLst>
-                  <a:outerShdw dist="35921" dir="2700000" algn="ctr" rotWithShape="0">
-                    <a:schemeClr val="bg2"/>
-                  </a:outerShdw>
-                </a:effectLst>
-              </a14:hiddenEffects>
-            </a:ext>
-          </a:extLst>
-        </p:spPr>
-      </p:pic>
-      <p:pic>
-        <p:nvPicPr>
-          <p:cNvPr id="40963" name="Picture 3"/>
-          <p:cNvPicPr>
-            <a:picLocks noChangeAspect="1" noChangeArrowheads="1"/>
-          </p:cNvPicPr>
-          <p:nvPr/>
-        </p:nvPicPr>
-        <p:blipFill>
-          <a:blip r:embed="rId3">
-            <a:extLst>
-              <a:ext uri="{28A0092B-C50C-407E-A947-70E740481C1C}">
-                <a14:useLocalDpi xmlns:a14="http://schemas.microsoft.com/office/drawing/2010/main" val="0"/>
-              </a:ext>
-            </a:extLst>
-          </a:blip>
-          <a:srcRect/>
-          <a:stretch>
-            <a:fillRect/>
-          </a:stretch>
-        </p:blipFill>
-        <p:spPr bwMode="auto">
-          <a:xfrm>
-            <a:off x="2202508" y="2788600"/>
-            <a:ext cx="4630464" cy="4069400"/>
-          </a:xfrm>
-          <a:prstGeom prst="rect">
-            <a:avLst/>
-          </a:prstGeom>
-          <a:noFill/>
-          <a:ln>
-            <a:noFill/>
-          </a:ln>
-          <a:effectLst/>
-          <a:extLst>
-            <a:ext uri="{909E8E84-426E-40DD-AFC4-6F175D3DCCD1}">
-              <a14:hiddenFill xmlns:a14="http://schemas.microsoft.com/office/drawing/2010/main">
-                <a:solidFill>
-                  <a:schemeClr val="accent1"/>
-                </a:solidFill>
-              </a14:hiddenFill>
-            </a:ext>
-            <a:ext uri="{91240B29-F687-4F45-9708-019B960494DF}">
-              <a14:hiddenLine xmlns:a14="http://schemas.microsoft.com/office/drawing/2010/main" w="9525">
-                <a:solidFill>
-                  <a:schemeClr val="tx1"/>
-                </a:solidFill>
-                <a:miter lim="800000"/>
-                <a:headEnd/>
-                <a:tailEnd/>
-              </a14:hiddenLine>
-            </a:ext>
-            <a:ext uri="{AF507438-7753-43E0-B8FC-AC1667EBCBE1}">
-              <a14:hiddenEffects xmlns:a14="http://schemas.microsoft.com/office/drawing/2010/main">
-                <a:effectLst>
-                  <a:outerShdw dist="35921" dir="2700000" algn="ctr" rotWithShape="0">
-                    <a:schemeClr val="bg2"/>
-                  </a:outerShdw>
-                </a:effectLst>
-              </a14:hiddenEffects>
-            </a:ext>
-          </a:extLst>
-        </p:spPr>
-      </p:pic>
-    </p:spTree>
-    <p:extLst>
-      <p:ext uri="{BB962C8B-B14F-4D97-AF65-F5344CB8AC3E}">
-        <p14:creationId xmlns:p14="http://schemas.microsoft.com/office/powerpoint/2010/main" val="3739992495"/>
-      </p:ext>
-    </p:extLst>
-  </p:cSld>
-  <p:clrMapOvr>
-    <a:masterClrMapping/>
-  </p:clrMapOvr>
-</p:sld>
-</file>
-
-<file path=ppt/slides/slide44.xml><?xml version="1.0" encoding="utf-8"?>
-<p:sld xmlns:a="http://schemas.openxmlformats.org/drawingml/2006/main" xmlns:r="http://schemas.openxmlformats.org/officeDocument/2006/relationships" xmlns:p="http://schemas.openxmlformats.org/presentationml/2006/main">
-  <p:cSld>
-    <p:spTree>
-      <p:nvGrpSpPr>
-        <p:cNvPr id="1" name=""/>
-        <p:cNvGrpSpPr/>
-        <p:nvPr/>
-      </p:nvGrpSpPr>
-      <p:grpSpPr>
-        <a:xfrm>
-          <a:off x="0" y="0"/>
-          <a:ext cx="0" cy="0"/>
-          <a:chOff x="0" y="0"/>
-          <a:chExt cx="0" cy="0"/>
-        </a:xfrm>
-      </p:grpSpPr>
-      <p:pic>
-        <p:nvPicPr>
-          <p:cNvPr id="41986" name="Picture 2"/>
-          <p:cNvPicPr>
-            <a:picLocks noChangeAspect="1" noChangeArrowheads="1"/>
-          </p:cNvPicPr>
-          <p:nvPr/>
-        </p:nvPicPr>
-        <p:blipFill>
-          <a:blip r:embed="rId2">
-            <a:extLst>
-              <a:ext uri="{28A0092B-C50C-407E-A947-70E740481C1C}">
-                <a14:useLocalDpi xmlns:a14="http://schemas.microsoft.com/office/drawing/2010/main" val="0"/>
-              </a:ext>
-            </a:extLst>
-          </a:blip>
-          <a:srcRect/>
-          <a:stretch>
-            <a:fillRect/>
-          </a:stretch>
-        </p:blipFill>
-        <p:spPr bwMode="auto">
-          <a:xfrm>
-            <a:off x="1254228" y="692696"/>
-            <a:ext cx="6638925" cy="2190750"/>
-          </a:xfrm>
-          <a:prstGeom prst="rect">
-            <a:avLst/>
-          </a:prstGeom>
-          <a:noFill/>
-          <a:ln>
-            <a:noFill/>
-          </a:ln>
-          <a:effectLst/>
-          <a:extLst>
-            <a:ext uri="{909E8E84-426E-40DD-AFC4-6F175D3DCCD1}">
-              <a14:hiddenFill xmlns:a14="http://schemas.microsoft.com/office/drawing/2010/main">
-                <a:solidFill>
-                  <a:schemeClr val="accent1"/>
-                </a:solidFill>
-              </a14:hiddenFill>
-            </a:ext>
-            <a:ext uri="{91240B29-F687-4F45-9708-019B960494DF}">
-              <a14:hiddenLine xmlns:a14="http://schemas.microsoft.com/office/drawing/2010/main" w="9525">
-                <a:solidFill>
-                  <a:schemeClr val="tx1"/>
-                </a:solidFill>
-                <a:miter lim="800000"/>
-                <a:headEnd/>
-                <a:tailEnd/>
-              </a14:hiddenLine>
-            </a:ext>
-            <a:ext uri="{AF507438-7753-43E0-B8FC-AC1667EBCBE1}">
-              <a14:hiddenEffects xmlns:a14="http://schemas.microsoft.com/office/drawing/2010/main">
-                <a:effectLst>
-                  <a:outerShdw dist="35921" dir="2700000" algn="ctr" rotWithShape="0">
-                    <a:schemeClr val="bg2"/>
-                  </a:outerShdw>
-                </a:effectLst>
-              </a14:hiddenEffects>
-            </a:ext>
-          </a:extLst>
-        </p:spPr>
-      </p:pic>
-      <p:pic>
-        <p:nvPicPr>
-          <p:cNvPr id="41987" name="Picture 3"/>
-          <p:cNvPicPr>
-            <a:picLocks noChangeAspect="1" noChangeArrowheads="1"/>
-          </p:cNvPicPr>
-          <p:nvPr/>
-        </p:nvPicPr>
-        <p:blipFill>
-          <a:blip r:embed="rId3">
-            <a:extLst>
-              <a:ext uri="{28A0092B-C50C-407E-A947-70E740481C1C}">
-                <a14:useLocalDpi xmlns:a14="http://schemas.microsoft.com/office/drawing/2010/main" val="0"/>
-              </a:ext>
-            </a:extLst>
-          </a:blip>
-          <a:srcRect/>
-          <a:stretch>
-            <a:fillRect/>
-          </a:stretch>
-        </p:blipFill>
-        <p:spPr bwMode="auto">
-          <a:xfrm>
-            <a:off x="2699792" y="3501008"/>
-            <a:ext cx="3354475" cy="1595239"/>
-          </a:xfrm>
-          <a:prstGeom prst="rect">
-            <a:avLst/>
-          </a:prstGeom>
-          <a:noFill/>
-          <a:ln>
-            <a:noFill/>
-          </a:ln>
-          <a:effectLst/>
-          <a:extLst>
-            <a:ext uri="{909E8E84-426E-40DD-AFC4-6F175D3DCCD1}">
-              <a14:hiddenFill xmlns:a14="http://schemas.microsoft.com/office/drawing/2010/main">
-                <a:solidFill>
-                  <a:schemeClr val="accent1"/>
-                </a:solidFill>
-              </a14:hiddenFill>
-            </a:ext>
-            <a:ext uri="{91240B29-F687-4F45-9708-019B960494DF}">
-              <a14:hiddenLine xmlns:a14="http://schemas.microsoft.com/office/drawing/2010/main" w="9525">
-                <a:solidFill>
-                  <a:schemeClr val="tx1"/>
-                </a:solidFill>
-                <a:miter lim="800000"/>
-                <a:headEnd/>
-                <a:tailEnd/>
-              </a14:hiddenLine>
-            </a:ext>
-            <a:ext uri="{AF507438-7753-43E0-B8FC-AC1667EBCBE1}">
-              <a14:hiddenEffects xmlns:a14="http://schemas.microsoft.com/office/drawing/2010/main">
-                <a:effectLst>
-                  <a:outerShdw dist="35921" dir="2700000" algn="ctr" rotWithShape="0">
-                    <a:schemeClr val="bg2"/>
-                  </a:outerShdw>
-                </a:effectLst>
-              </a14:hiddenEffects>
-            </a:ext>
-          </a:extLst>
-        </p:spPr>
-      </p:pic>
-    </p:spTree>
-    <p:extLst>
-      <p:ext uri="{BB962C8B-B14F-4D97-AF65-F5344CB8AC3E}">
-        <p14:creationId xmlns:p14="http://schemas.microsoft.com/office/powerpoint/2010/main" val="3117559108"/>
-      </p:ext>
-    </p:extLst>
-  </p:cSld>
-  <p:clrMapOvr>
-    <a:masterClrMapping/>
-  </p:clrMapOvr>
-</p:sld>
-</file>
-
-<file path=ppt/slides/slide45.xml><?xml version="1.0" encoding="utf-8"?>
-<p:sld xmlns:a="http://schemas.openxmlformats.org/drawingml/2006/main" xmlns:r="http://schemas.openxmlformats.org/officeDocument/2006/relationships" xmlns:p="http://schemas.openxmlformats.org/presentationml/2006/main">
-  <p:cSld>
-    <p:spTree>
-      <p:nvGrpSpPr>
-        <p:cNvPr id="1" name=""/>
-        <p:cNvGrpSpPr/>
-        <p:nvPr/>
-      </p:nvGrpSpPr>
-      <p:grpSpPr>
-        <a:xfrm>
-          <a:off x="0" y="0"/>
-          <a:ext cx="0" cy="0"/>
-          <a:chOff x="0" y="0"/>
-          <a:chExt cx="0" cy="0"/>
-        </a:xfrm>
-      </p:grpSpPr>
-      <p:pic>
-        <p:nvPicPr>
-          <p:cNvPr id="43010" name="Picture 2"/>
-          <p:cNvPicPr>
-            <a:picLocks noChangeAspect="1" noChangeArrowheads="1"/>
-          </p:cNvPicPr>
-          <p:nvPr/>
-        </p:nvPicPr>
-        <p:blipFill>
-          <a:blip r:embed="rId2">
-            <a:extLst>
-              <a:ext uri="{28A0092B-C50C-407E-A947-70E740481C1C}">
-                <a14:useLocalDpi xmlns:a14="http://schemas.microsoft.com/office/drawing/2010/main" val="0"/>
-              </a:ext>
-            </a:extLst>
-          </a:blip>
-          <a:srcRect/>
-          <a:stretch>
-            <a:fillRect/>
-          </a:stretch>
-        </p:blipFill>
-        <p:spPr bwMode="auto">
-          <a:xfrm>
-            <a:off x="52388" y="764704"/>
-            <a:ext cx="9039225" cy="2095500"/>
-          </a:xfrm>
-          <a:prstGeom prst="rect">
-            <a:avLst/>
-          </a:prstGeom>
-          <a:noFill/>
-          <a:ln>
-            <a:noFill/>
-          </a:ln>
-          <a:effectLst/>
-          <a:extLst>
-            <a:ext uri="{909E8E84-426E-40DD-AFC4-6F175D3DCCD1}">
-              <a14:hiddenFill xmlns:a14="http://schemas.microsoft.com/office/drawing/2010/main">
-                <a:solidFill>
-                  <a:schemeClr val="accent1"/>
-                </a:solidFill>
-              </a14:hiddenFill>
-            </a:ext>
-            <a:ext uri="{91240B29-F687-4F45-9708-019B960494DF}">
-              <a14:hiddenLine xmlns:a14="http://schemas.microsoft.com/office/drawing/2010/main" w="9525">
-                <a:solidFill>
-                  <a:schemeClr val="tx1"/>
-                </a:solidFill>
-                <a:miter lim="800000"/>
-                <a:headEnd/>
-                <a:tailEnd/>
-              </a14:hiddenLine>
-            </a:ext>
-            <a:ext uri="{AF507438-7753-43E0-B8FC-AC1667EBCBE1}">
-              <a14:hiddenEffects xmlns:a14="http://schemas.microsoft.com/office/drawing/2010/main">
-                <a:effectLst>
-                  <a:outerShdw dist="35921" dir="2700000" algn="ctr" rotWithShape="0">
-                    <a:schemeClr val="bg2"/>
-                  </a:outerShdw>
-                </a:effectLst>
-              </a14:hiddenEffects>
-            </a:ext>
-          </a:extLst>
-        </p:spPr>
-      </p:pic>
-      <p:pic>
-        <p:nvPicPr>
-          <p:cNvPr id="43011" name="Picture 3"/>
-          <p:cNvPicPr>
-            <a:picLocks noChangeAspect="1" noChangeArrowheads="1"/>
-          </p:cNvPicPr>
-          <p:nvPr/>
-        </p:nvPicPr>
-        <p:blipFill>
-          <a:blip r:embed="rId3">
-            <a:extLst>
-              <a:ext uri="{28A0092B-C50C-407E-A947-70E740481C1C}">
-                <a14:useLocalDpi xmlns:a14="http://schemas.microsoft.com/office/drawing/2010/main" val="0"/>
-              </a:ext>
-            </a:extLst>
-          </a:blip>
-          <a:srcRect/>
-          <a:stretch>
-            <a:fillRect/>
-          </a:stretch>
-        </p:blipFill>
-        <p:spPr bwMode="auto">
-          <a:xfrm>
-            <a:off x="2915816" y="3149606"/>
-            <a:ext cx="3096344" cy="1863968"/>
-          </a:xfrm>
-          <a:prstGeom prst="rect">
-            <a:avLst/>
-          </a:prstGeom>
-          <a:noFill/>
-          <a:ln>
-            <a:noFill/>
-          </a:ln>
-          <a:effectLst/>
-          <a:extLst>
-            <a:ext uri="{909E8E84-426E-40DD-AFC4-6F175D3DCCD1}">
-              <a14:hiddenFill xmlns:a14="http://schemas.microsoft.com/office/drawing/2010/main">
-                <a:solidFill>
-                  <a:schemeClr val="accent1"/>
-                </a:solidFill>
-              </a14:hiddenFill>
-            </a:ext>
-            <a:ext uri="{91240B29-F687-4F45-9708-019B960494DF}">
-              <a14:hiddenLine xmlns:a14="http://schemas.microsoft.com/office/drawing/2010/main" w="9525">
-                <a:solidFill>
-                  <a:schemeClr val="tx1"/>
-                </a:solidFill>
-                <a:miter lim="800000"/>
-                <a:headEnd/>
-                <a:tailEnd/>
-              </a14:hiddenLine>
-            </a:ext>
-            <a:ext uri="{AF507438-7753-43E0-B8FC-AC1667EBCBE1}">
-              <a14:hiddenEffects xmlns:a14="http://schemas.microsoft.com/office/drawing/2010/main">
-                <a:effectLst>
-                  <a:outerShdw dist="35921" dir="2700000" algn="ctr" rotWithShape="0">
-                    <a:schemeClr val="bg2"/>
-                  </a:outerShdw>
-                </a:effectLst>
-              </a14:hiddenEffects>
-            </a:ext>
-          </a:extLst>
-        </p:spPr>
-      </p:pic>
-    </p:spTree>
-    <p:extLst>
-      <p:ext uri="{BB962C8B-B14F-4D97-AF65-F5344CB8AC3E}">
-        <p14:creationId xmlns:p14="http://schemas.microsoft.com/office/powerpoint/2010/main" val="1508603201"/>
-      </p:ext>
-    </p:extLst>
-  </p:cSld>
-  <p:clrMapOvr>
-    <a:masterClrMapping/>
-  </p:clrMapOvr>
-</p:sld>
-</file>
-
-<file path=ppt/slides/slide46.xml><?xml version="1.0" encoding="utf-8"?>
-<p:sld xmlns:a="http://schemas.openxmlformats.org/drawingml/2006/main" xmlns:r="http://schemas.openxmlformats.org/officeDocument/2006/relationships" xmlns:p="http://schemas.openxmlformats.org/presentationml/2006/main">
-  <p:cSld>
-    <p:spTree>
-      <p:nvGrpSpPr>
-        <p:cNvPr id="1" name=""/>
-        <p:cNvGrpSpPr/>
-        <p:nvPr/>
-      </p:nvGrpSpPr>
-      <p:grpSpPr>
-        <a:xfrm>
-          <a:off x="0" y="0"/>
-          <a:ext cx="0" cy="0"/>
-          <a:chOff x="0" y="0"/>
-          <a:chExt cx="0" cy="0"/>
-        </a:xfrm>
-      </p:grpSpPr>
-      <p:pic>
-        <p:nvPicPr>
-          <p:cNvPr id="44034" name="Picture 2"/>
-          <p:cNvPicPr>
-            <a:picLocks noChangeAspect="1" noChangeArrowheads="1"/>
-          </p:cNvPicPr>
-          <p:nvPr/>
-        </p:nvPicPr>
-        <p:blipFill>
-          <a:blip r:embed="rId2">
-            <a:extLst>
-              <a:ext uri="{28A0092B-C50C-407E-A947-70E740481C1C}">
-                <a14:useLocalDpi xmlns:a14="http://schemas.microsoft.com/office/drawing/2010/main" val="0"/>
-              </a:ext>
-            </a:extLst>
-          </a:blip>
-          <a:srcRect/>
-          <a:stretch>
-            <a:fillRect/>
-          </a:stretch>
-        </p:blipFill>
-        <p:spPr bwMode="auto">
-          <a:xfrm>
-            <a:off x="179512" y="836712"/>
-            <a:ext cx="8604448" cy="1810342"/>
-          </a:xfrm>
-          <a:prstGeom prst="rect">
-            <a:avLst/>
-          </a:prstGeom>
-          <a:noFill/>
-          <a:ln>
-            <a:noFill/>
-          </a:ln>
-          <a:effectLst/>
-          <a:extLst>
-            <a:ext uri="{909E8E84-426E-40DD-AFC4-6F175D3DCCD1}">
-              <a14:hiddenFill xmlns:a14="http://schemas.microsoft.com/office/drawing/2010/main">
-                <a:solidFill>
-                  <a:schemeClr val="accent1"/>
-                </a:solidFill>
-              </a14:hiddenFill>
-            </a:ext>
-            <a:ext uri="{91240B29-F687-4F45-9708-019B960494DF}">
-              <a14:hiddenLine xmlns:a14="http://schemas.microsoft.com/office/drawing/2010/main" w="9525">
-                <a:solidFill>
-                  <a:schemeClr val="tx1"/>
-                </a:solidFill>
-                <a:miter lim="800000"/>
-                <a:headEnd/>
-                <a:tailEnd/>
-              </a14:hiddenLine>
-            </a:ext>
-            <a:ext uri="{AF507438-7753-43E0-B8FC-AC1667EBCBE1}">
-              <a14:hiddenEffects xmlns:a14="http://schemas.microsoft.com/office/drawing/2010/main">
-                <a:effectLst>
-                  <a:outerShdw dist="35921" dir="2700000" algn="ctr" rotWithShape="0">
-                    <a:schemeClr val="bg2"/>
-                  </a:outerShdw>
-                </a:effectLst>
-              </a14:hiddenEffects>
-            </a:ext>
-          </a:extLst>
-        </p:spPr>
-      </p:pic>
-      <p:pic>
-        <p:nvPicPr>
-          <p:cNvPr id="44035" name="Picture 3"/>
-          <p:cNvPicPr>
-            <a:picLocks noChangeAspect="1" noChangeArrowheads="1"/>
-          </p:cNvPicPr>
-          <p:nvPr/>
-        </p:nvPicPr>
-        <p:blipFill>
-          <a:blip r:embed="rId3">
-            <a:extLst>
-              <a:ext uri="{28A0092B-C50C-407E-A947-70E740481C1C}">
-                <a14:useLocalDpi xmlns:a14="http://schemas.microsoft.com/office/drawing/2010/main" val="0"/>
-              </a:ext>
-            </a:extLst>
-          </a:blip>
-          <a:srcRect/>
-          <a:stretch>
-            <a:fillRect/>
-          </a:stretch>
-        </p:blipFill>
-        <p:spPr bwMode="auto">
-          <a:xfrm>
-            <a:off x="3059832" y="3068960"/>
-            <a:ext cx="3238500" cy="3305175"/>
-          </a:xfrm>
-          <a:prstGeom prst="rect">
-            <a:avLst/>
-          </a:prstGeom>
-          <a:noFill/>
-          <a:ln>
-            <a:noFill/>
-          </a:ln>
-          <a:effectLst/>
-          <a:extLst>
-            <a:ext uri="{909E8E84-426E-40DD-AFC4-6F175D3DCCD1}">
-              <a14:hiddenFill xmlns:a14="http://schemas.microsoft.com/office/drawing/2010/main">
-                <a:solidFill>
-                  <a:schemeClr val="accent1"/>
-                </a:solidFill>
-              </a14:hiddenFill>
-            </a:ext>
-            <a:ext uri="{91240B29-F687-4F45-9708-019B960494DF}">
-              <a14:hiddenLine xmlns:a14="http://schemas.microsoft.com/office/drawing/2010/main" w="9525">
-                <a:solidFill>
-                  <a:schemeClr val="tx1"/>
-                </a:solidFill>
-                <a:miter lim="800000"/>
-                <a:headEnd/>
-                <a:tailEnd/>
-              </a14:hiddenLine>
-            </a:ext>
-            <a:ext uri="{AF507438-7753-43E0-B8FC-AC1667EBCBE1}">
-              <a14:hiddenEffects xmlns:a14="http://schemas.microsoft.com/office/drawing/2010/main">
-                <a:effectLst>
-                  <a:outerShdw dist="35921" dir="2700000" algn="ctr" rotWithShape="0">
-                    <a:schemeClr val="bg2"/>
-                  </a:outerShdw>
-                </a:effectLst>
-              </a14:hiddenEffects>
-            </a:ext>
-          </a:extLst>
-        </p:spPr>
-      </p:pic>
-    </p:spTree>
-    <p:extLst>
-      <p:ext uri="{BB962C8B-B14F-4D97-AF65-F5344CB8AC3E}">
-        <p14:creationId xmlns:p14="http://schemas.microsoft.com/office/powerpoint/2010/main" val="1675823717"/>
-      </p:ext>
-    </p:extLst>
-  </p:cSld>
-  <p:clrMapOvr>
-    <a:masterClrMapping/>
-  </p:clrMapOvr>
-</p:sld>
-</file>
-
-<file path=ppt/slides/slide47.xml><?xml version="1.0" encoding="utf-8"?>
-<p:sld xmlns:a="http://schemas.openxmlformats.org/drawingml/2006/main" xmlns:r="http://schemas.openxmlformats.org/officeDocument/2006/relationships" xmlns:p="http://schemas.openxmlformats.org/presentationml/2006/main">
-  <p:cSld>
-    <p:spTree>
-      <p:nvGrpSpPr>
-        <p:cNvPr id="1" name=""/>
-        <p:cNvGrpSpPr/>
-        <p:nvPr/>
-      </p:nvGrpSpPr>
-      <p:grpSpPr>
-        <a:xfrm>
-          <a:off x="0" y="0"/>
-          <a:ext cx="0" cy="0"/>
-          <a:chOff x="0" y="0"/>
-          <a:chExt cx="0" cy="0"/>
-        </a:xfrm>
-      </p:grpSpPr>
-      <p:pic>
-        <p:nvPicPr>
-          <p:cNvPr id="45058" name="Picture 2"/>
-          <p:cNvPicPr>
-            <a:picLocks noChangeAspect="1" noChangeArrowheads="1"/>
-          </p:cNvPicPr>
-          <p:nvPr/>
-        </p:nvPicPr>
-        <p:blipFill>
-          <a:blip r:embed="rId2">
-            <a:extLst>
-              <a:ext uri="{28A0092B-C50C-407E-A947-70E740481C1C}">
-                <a14:useLocalDpi xmlns:a14="http://schemas.microsoft.com/office/drawing/2010/main" val="0"/>
-              </a:ext>
-            </a:extLst>
-          </a:blip>
-          <a:srcRect/>
-          <a:stretch>
-            <a:fillRect/>
-          </a:stretch>
-        </p:blipFill>
-        <p:spPr bwMode="auto">
-          <a:xfrm>
-            <a:off x="251520" y="836712"/>
-            <a:ext cx="8472006" cy="1412890"/>
-          </a:xfrm>
-          <a:prstGeom prst="rect">
-            <a:avLst/>
-          </a:prstGeom>
-          <a:noFill/>
-          <a:ln>
-            <a:noFill/>
-          </a:ln>
-          <a:effectLst/>
-          <a:extLst>
-            <a:ext uri="{909E8E84-426E-40DD-AFC4-6F175D3DCCD1}">
-              <a14:hiddenFill xmlns:a14="http://schemas.microsoft.com/office/drawing/2010/main">
-                <a:solidFill>
-                  <a:schemeClr val="accent1"/>
-                </a:solidFill>
-              </a14:hiddenFill>
-            </a:ext>
-            <a:ext uri="{91240B29-F687-4F45-9708-019B960494DF}">
-              <a14:hiddenLine xmlns:a14="http://schemas.microsoft.com/office/drawing/2010/main" w="9525">
-                <a:solidFill>
-                  <a:schemeClr val="tx1"/>
-                </a:solidFill>
-                <a:miter lim="800000"/>
-                <a:headEnd/>
-                <a:tailEnd/>
-              </a14:hiddenLine>
-            </a:ext>
-            <a:ext uri="{AF507438-7753-43E0-B8FC-AC1667EBCBE1}">
-              <a14:hiddenEffects xmlns:a14="http://schemas.microsoft.com/office/drawing/2010/main">
-                <a:effectLst>
-                  <a:outerShdw dist="35921" dir="2700000" algn="ctr" rotWithShape="0">
-                    <a:schemeClr val="bg2"/>
-                  </a:outerShdw>
-                </a:effectLst>
-              </a14:hiddenEffects>
-            </a:ext>
-          </a:extLst>
-        </p:spPr>
-      </p:pic>
-      <p:pic>
-        <p:nvPicPr>
-          <p:cNvPr id="45059" name="Picture 3"/>
-          <p:cNvPicPr>
-            <a:picLocks noChangeAspect="1" noChangeArrowheads="1"/>
-          </p:cNvPicPr>
-          <p:nvPr/>
-        </p:nvPicPr>
-        <p:blipFill>
-          <a:blip r:embed="rId3">
-            <a:extLst>
-              <a:ext uri="{28A0092B-C50C-407E-A947-70E740481C1C}">
-                <a14:useLocalDpi xmlns:a14="http://schemas.microsoft.com/office/drawing/2010/main" val="0"/>
-              </a:ext>
-            </a:extLst>
-          </a:blip>
-          <a:srcRect/>
-          <a:stretch>
-            <a:fillRect/>
-          </a:stretch>
-        </p:blipFill>
-        <p:spPr bwMode="auto">
-          <a:xfrm>
-            <a:off x="2339752" y="2708920"/>
-            <a:ext cx="4176464" cy="3262863"/>
-          </a:xfrm>
-          <a:prstGeom prst="rect">
-            <a:avLst/>
-          </a:prstGeom>
-          <a:noFill/>
-          <a:ln>
-            <a:noFill/>
-          </a:ln>
-          <a:effectLst/>
-          <a:extLst>
-            <a:ext uri="{909E8E84-426E-40DD-AFC4-6F175D3DCCD1}">
-              <a14:hiddenFill xmlns:a14="http://schemas.microsoft.com/office/drawing/2010/main">
-                <a:solidFill>
-                  <a:schemeClr val="accent1"/>
-                </a:solidFill>
-              </a14:hiddenFill>
-            </a:ext>
-            <a:ext uri="{91240B29-F687-4F45-9708-019B960494DF}">
-              <a14:hiddenLine xmlns:a14="http://schemas.microsoft.com/office/drawing/2010/main" w="9525">
-                <a:solidFill>
-                  <a:schemeClr val="tx1"/>
-                </a:solidFill>
-                <a:miter lim="800000"/>
-                <a:headEnd/>
-                <a:tailEnd/>
-              </a14:hiddenLine>
-            </a:ext>
-            <a:ext uri="{AF507438-7753-43E0-B8FC-AC1667EBCBE1}">
-              <a14:hiddenEffects xmlns:a14="http://schemas.microsoft.com/office/drawing/2010/main">
-                <a:effectLst>
-                  <a:outerShdw dist="35921" dir="2700000" algn="ctr" rotWithShape="0">
-                    <a:schemeClr val="bg2"/>
-                  </a:outerShdw>
-                </a:effectLst>
-              </a14:hiddenEffects>
-            </a:ext>
-          </a:extLst>
-        </p:spPr>
-      </p:pic>
-    </p:spTree>
-    <p:extLst>
-      <p:ext uri="{BB962C8B-B14F-4D97-AF65-F5344CB8AC3E}">
-        <p14:creationId xmlns:p14="http://schemas.microsoft.com/office/powerpoint/2010/main" val="244726858"/>
-      </p:ext>
-    </p:extLst>
-  </p:cSld>
-  <p:clrMapOvr>
-    <a:masterClrMapping/>
-  </p:clrMapOvr>
-</p:sld>
-</file>
-
-<file path=ppt/slides/slide48.xml><?xml version="1.0" encoding="utf-8"?>
-<p:sld xmlns:a="http://schemas.openxmlformats.org/drawingml/2006/main" xmlns:r="http://schemas.openxmlformats.org/officeDocument/2006/relationships" xmlns:p="http://schemas.openxmlformats.org/presentationml/2006/main">
-  <p:cSld>
-    <p:spTree>
-      <p:nvGrpSpPr>
-        <p:cNvPr id="1" name=""/>
-        <p:cNvGrpSpPr/>
-        <p:nvPr/>
-      </p:nvGrpSpPr>
-      <p:grpSpPr>
-        <a:xfrm>
-          <a:off x="0" y="0"/>
-          <a:ext cx="0" cy="0"/>
-          <a:chOff x="0" y="0"/>
-          <a:chExt cx="0" cy="0"/>
-        </a:xfrm>
-      </p:grpSpPr>
-      <p:pic>
-        <p:nvPicPr>
-          <p:cNvPr id="46082" name="Picture 2"/>
-          <p:cNvPicPr>
-            <a:picLocks noChangeAspect="1" noChangeArrowheads="1"/>
-          </p:cNvPicPr>
-          <p:nvPr/>
-        </p:nvPicPr>
-        <p:blipFill>
-          <a:blip r:embed="rId2">
-            <a:extLst>
-              <a:ext uri="{28A0092B-C50C-407E-A947-70E740481C1C}">
-                <a14:useLocalDpi xmlns:a14="http://schemas.microsoft.com/office/drawing/2010/main" val="0"/>
-              </a:ext>
-            </a:extLst>
-          </a:blip>
-          <a:srcRect/>
-          <a:stretch>
-            <a:fillRect/>
-          </a:stretch>
-        </p:blipFill>
-        <p:spPr bwMode="auto">
-          <a:xfrm>
-            <a:off x="323528" y="908720"/>
-            <a:ext cx="8316416" cy="2311463"/>
-          </a:xfrm>
-          <a:prstGeom prst="rect">
-            <a:avLst/>
-          </a:prstGeom>
-          <a:noFill/>
-          <a:ln>
-            <a:noFill/>
-          </a:ln>
-          <a:effectLst/>
-          <a:extLst>
-            <a:ext uri="{909E8E84-426E-40DD-AFC4-6F175D3DCCD1}">
-              <a14:hiddenFill xmlns:a14="http://schemas.microsoft.com/office/drawing/2010/main">
-                <a:solidFill>
-                  <a:schemeClr val="accent1"/>
-                </a:solidFill>
-              </a14:hiddenFill>
-            </a:ext>
-            <a:ext uri="{91240B29-F687-4F45-9708-019B960494DF}">
-              <a14:hiddenLine xmlns:a14="http://schemas.microsoft.com/office/drawing/2010/main" w="9525">
-                <a:solidFill>
-                  <a:schemeClr val="tx1"/>
-                </a:solidFill>
-                <a:miter lim="800000"/>
-                <a:headEnd/>
-                <a:tailEnd/>
-              </a14:hiddenLine>
-            </a:ext>
-            <a:ext uri="{AF507438-7753-43E0-B8FC-AC1667EBCBE1}">
-              <a14:hiddenEffects xmlns:a14="http://schemas.microsoft.com/office/drawing/2010/main">
-                <a:effectLst>
-                  <a:outerShdw dist="35921" dir="2700000" algn="ctr" rotWithShape="0">
-                    <a:schemeClr val="bg2"/>
-                  </a:outerShdw>
-                </a:effectLst>
-              </a14:hiddenEffects>
-            </a:ext>
-          </a:extLst>
-        </p:spPr>
-      </p:pic>
-      <p:pic>
-        <p:nvPicPr>
-          <p:cNvPr id="46083" name="Picture 3"/>
-          <p:cNvPicPr>
-            <a:picLocks noChangeAspect="1" noChangeArrowheads="1"/>
-          </p:cNvPicPr>
-          <p:nvPr/>
-        </p:nvPicPr>
-        <p:blipFill>
-          <a:blip r:embed="rId3">
-            <a:extLst>
-              <a:ext uri="{28A0092B-C50C-407E-A947-70E740481C1C}">
-                <a14:useLocalDpi xmlns:a14="http://schemas.microsoft.com/office/drawing/2010/main" val="0"/>
-              </a:ext>
-            </a:extLst>
-          </a:blip>
-          <a:srcRect/>
-          <a:stretch>
-            <a:fillRect/>
-          </a:stretch>
-        </p:blipFill>
-        <p:spPr bwMode="auto">
-          <a:xfrm>
-            <a:off x="2319559" y="3789040"/>
-            <a:ext cx="4946083" cy="2080841"/>
-          </a:xfrm>
-          <a:prstGeom prst="rect">
-            <a:avLst/>
-          </a:prstGeom>
-          <a:noFill/>
-          <a:ln>
-            <a:noFill/>
-          </a:ln>
-          <a:effectLst/>
-          <a:extLst>
-            <a:ext uri="{909E8E84-426E-40DD-AFC4-6F175D3DCCD1}">
-              <a14:hiddenFill xmlns:a14="http://schemas.microsoft.com/office/drawing/2010/main">
-                <a:solidFill>
-                  <a:schemeClr val="accent1"/>
-                </a:solidFill>
-              </a14:hiddenFill>
-            </a:ext>
-            <a:ext uri="{91240B29-F687-4F45-9708-019B960494DF}">
-              <a14:hiddenLine xmlns:a14="http://schemas.microsoft.com/office/drawing/2010/main" w="9525">
-                <a:solidFill>
-                  <a:schemeClr val="tx1"/>
-                </a:solidFill>
-                <a:miter lim="800000"/>
-                <a:headEnd/>
-                <a:tailEnd/>
-              </a14:hiddenLine>
-            </a:ext>
-            <a:ext uri="{AF507438-7753-43E0-B8FC-AC1667EBCBE1}">
-              <a14:hiddenEffects xmlns:a14="http://schemas.microsoft.com/office/drawing/2010/main">
-                <a:effectLst>
-                  <a:outerShdw dist="35921" dir="2700000" algn="ctr" rotWithShape="0">
-                    <a:schemeClr val="bg2"/>
-                  </a:outerShdw>
-                </a:effectLst>
-              </a14:hiddenEffects>
-            </a:ext>
-          </a:extLst>
-        </p:spPr>
-      </p:pic>
-    </p:spTree>
-    <p:extLst>
-      <p:ext uri="{BB962C8B-B14F-4D97-AF65-F5344CB8AC3E}">
-        <p14:creationId xmlns:p14="http://schemas.microsoft.com/office/powerpoint/2010/main" val="2363541635"/>
-      </p:ext>
-    </p:extLst>
-  </p:cSld>
-  <p:clrMapOvr>
-    <a:masterClrMapping/>
-  </p:clrMapOvr>
-</p:sld>
-</file>
-
-<file path=ppt/slides/slide49.xml><?xml version="1.0" encoding="utf-8"?>
-<p:sld xmlns:a="http://schemas.openxmlformats.org/drawingml/2006/main" xmlns:r="http://schemas.openxmlformats.org/officeDocument/2006/relationships" xmlns:p="http://schemas.openxmlformats.org/presentationml/2006/main">
-  <p:cSld>
-    <p:spTree>
-      <p:nvGrpSpPr>
-        <p:cNvPr id="1" name=""/>
-        <p:cNvGrpSpPr/>
-        <p:nvPr/>
-      </p:nvGrpSpPr>
-      <p:grpSpPr>
-        <a:xfrm>
-          <a:off x="0" y="0"/>
-          <a:ext cx="0" cy="0"/>
-          <a:chOff x="0" y="0"/>
-          <a:chExt cx="0" cy="0"/>
-        </a:xfrm>
-      </p:grpSpPr>
-    </p:spTree>
-    <p:extLst>
-      <p:ext uri="{BB962C8B-B14F-4D97-AF65-F5344CB8AC3E}">
-        <p14:creationId xmlns:p14="http://schemas.microsoft.com/office/powerpoint/2010/main" val="590165123"/>
-      </p:ext>
-    </p:extLst>
-  </p:cSld>
-  <p:clrMapOvr>
-    <a:masterClrMapping/>
-  </p:clrMapOvr>
-</p:sld>
-</file>
-
 <file path=ppt/slides/slide5.xml><?xml version="1.0" encoding="utf-8"?>
 <p:sld xmlns:a="http://schemas.openxmlformats.org/drawingml/2006/main" xmlns:r="http://schemas.openxmlformats.org/officeDocument/2006/relationships" xmlns:p="http://schemas.openxmlformats.org/presentationml/2006/main">
   <p:cSld>
